--- a/105-15-final.pptx
+++ b/105-15-final.pptx
@@ -5,7 +5,7 @@
     <p:sldMasterId id="2147483660" r:id="rId1"/>
   </p:sldMasterIdLst>
   <p:notesMasterIdLst>
-    <p:notesMasterId r:id="rId22"/>
+    <p:notesMasterId r:id="rId23"/>
   </p:notesMasterIdLst>
   <p:sldIdLst>
     <p:sldId id="256" r:id="rId2"/>
@@ -25,9 +25,10 @@
     <p:sldId id="274" r:id="rId16"/>
     <p:sldId id="275" r:id="rId17"/>
     <p:sldId id="265" r:id="rId18"/>
-    <p:sldId id="277" r:id="rId19"/>
-    <p:sldId id="278" r:id="rId20"/>
-    <p:sldId id="267" r:id="rId21"/>
+    <p:sldId id="278" r:id="rId19"/>
+    <p:sldId id="279" r:id="rId20"/>
+    <p:sldId id="280" r:id="rId21"/>
+    <p:sldId id="267" r:id="rId22"/>
   </p:sldIdLst>
   <p:sldSz cx="9144000" cy="6858000" type="screen4x3"/>
   <p:notesSz cx="6858000" cy="9144000"/>
@@ -227,7 +228,7 @@
           <a:p>
             <a:fld id="{B206E5D0-AE2D-4DCB-A5F6-C80705AF6D5A}" type="datetimeFigureOut">
               <a:rPr lang="zh-TW" altLang="en-US" smtClean="0"/>
-              <a:t>2016/6/16</a:t>
+              <a:t>2016/6/17</a:t>
             </a:fld>
             <a:endParaRPr lang="zh-TW" altLang="en-US"/>
           </a:p>
@@ -607,7 +608,7 @@
           <a:p>
             <a:fld id="{8A2848CD-0484-4612-BA00-72D49F8B57B5}" type="datetime1">
               <a:rPr lang="zh-TW" altLang="en-US" smtClean="0"/>
-              <a:t>2016/6/16</a:t>
+              <a:t>2016/6/17</a:t>
             </a:fld>
             <a:endParaRPr lang="zh-TW" altLang="en-US"/>
           </a:p>
@@ -713,7 +714,7 @@
           <a:p>
             <a:fld id="{A86A08C1-4C1E-400E-88E0-F5F1DE6707FC}" type="datetime1">
               <a:rPr lang="zh-TW" altLang="en-US" smtClean="0"/>
-              <a:t>2016/6/16</a:t>
+              <a:t>2016/6/17</a:t>
             </a:fld>
             <a:endParaRPr lang="zh-TW" altLang="en-US"/>
           </a:p>
@@ -990,7 +991,7 @@
           <a:p>
             <a:fld id="{8F17EE4D-8592-4D34-ABA3-06B247FCB6A2}" type="datetime1">
               <a:rPr lang="zh-TW" altLang="en-US" smtClean="0"/>
-              <a:t>2016/6/16</a:t>
+              <a:t>2016/6/17</a:t>
             </a:fld>
             <a:endParaRPr lang="zh-TW" altLang="en-US"/>
           </a:p>
@@ -1247,7 +1248,7 @@
           <a:p>
             <a:fld id="{9E50CB94-E105-46D8-9282-E0047ED4B111}" type="datetime1">
               <a:rPr lang="zh-TW" altLang="en-US" smtClean="0"/>
-              <a:t>2016/6/16</a:t>
+              <a:t>2016/6/17</a:t>
             </a:fld>
             <a:endParaRPr lang="zh-TW" altLang="en-US"/>
           </a:p>
@@ -1417,7 +1418,7 @@
           <a:p>
             <a:fld id="{429696D7-1EBB-4CFA-A7FB-095515BCD052}" type="datetime1">
               <a:rPr lang="zh-TW" altLang="en-US" smtClean="0"/>
-              <a:t>2016/6/16</a:t>
+              <a:t>2016/6/17</a:t>
             </a:fld>
             <a:endParaRPr lang="zh-TW" altLang="en-US"/>
           </a:p>
@@ -1597,7 +1598,7 @@
           <a:p>
             <a:fld id="{75E2C80B-D08E-43CA-9C86-EB726E195C89}" type="datetime1">
               <a:rPr lang="zh-TW" altLang="en-US" smtClean="0"/>
-              <a:t>2016/6/16</a:t>
+              <a:t>2016/6/17</a:t>
             </a:fld>
             <a:endParaRPr lang="zh-TW" altLang="en-US"/>
           </a:p>
@@ -1789,7 +1790,7 @@
           <a:p>
             <a:fld id="{F4AE27F7-BEF8-4D45-A21B-E297ADDB086D}" type="datetime1">
               <a:rPr lang="zh-TW" altLang="en-US" smtClean="0"/>
-              <a:t>2016/6/16</a:t>
+              <a:t>2016/6/17</a:t>
             </a:fld>
             <a:endParaRPr lang="zh-TW" altLang="en-US"/>
           </a:p>
@@ -1933,7 +1934,7 @@
           <a:p>
             <a:fld id="{077E0BBA-482F-44F5-8583-06D933ECC8E7}" type="datetime1">
               <a:rPr lang="zh-TW" altLang="en-US" smtClean="0"/>
-              <a:t>2016/6/16</a:t>
+              <a:t>2016/6/17</a:t>
             </a:fld>
             <a:endParaRPr lang="zh-TW" altLang="en-US"/>
           </a:p>
@@ -2125,7 +2126,7 @@
           <a:p>
             <a:fld id="{E11E7394-A505-4588-A220-9596F0A2FF59}" type="datetime1">
               <a:rPr lang="zh-TW" altLang="en-US" smtClean="0"/>
-              <a:t>2016/6/16</a:t>
+              <a:t>2016/6/17</a:t>
             </a:fld>
             <a:endParaRPr lang="zh-TW" altLang="en-US"/>
           </a:p>
@@ -2295,7 +2296,7 @@
           <a:p>
             <a:fld id="{A52A7A99-2523-4A08-9057-075C6636AB13}" type="datetime1">
               <a:rPr lang="zh-TW" altLang="en-US" smtClean="0"/>
-              <a:t>2016/6/16</a:t>
+              <a:t>2016/6/17</a:t>
             </a:fld>
             <a:endParaRPr lang="zh-TW" altLang="en-US"/>
           </a:p>
@@ -2539,7 +2540,7 @@
           <a:p>
             <a:fld id="{43C2E4C9-4380-4DDF-A9B4-D81915CC8D26}" type="datetime1">
               <a:rPr lang="zh-TW" altLang="en-US" smtClean="0"/>
-              <a:t>2016/6/16</a:t>
+              <a:t>2016/6/17</a:t>
             </a:fld>
             <a:endParaRPr lang="zh-TW" altLang="en-US"/>
           </a:p>
@@ -2771,7 +2772,7 @@
           <a:p>
             <a:fld id="{3F1A385B-C53A-4D89-805D-B346E56DE013}" type="datetime1">
               <a:rPr lang="zh-TW" altLang="en-US" smtClean="0"/>
-              <a:t>2016/6/16</a:t>
+              <a:t>2016/6/17</a:t>
             </a:fld>
             <a:endParaRPr lang="zh-TW" altLang="en-US"/>
           </a:p>
@@ -3138,7 +3139,7 @@
           <a:p>
             <a:fld id="{0BD52670-FD1C-4313-965C-384AC467F0C2}" type="datetime1">
               <a:rPr lang="zh-TW" altLang="en-US" smtClean="0"/>
-              <a:t>2016/6/16</a:t>
+              <a:t>2016/6/17</a:t>
             </a:fld>
             <a:endParaRPr lang="zh-TW" altLang="en-US"/>
           </a:p>
@@ -3256,7 +3257,7 @@
           <a:p>
             <a:fld id="{04CFCE04-1EF8-4C4D-BC53-8987A05C8E1F}" type="datetime1">
               <a:rPr lang="zh-TW" altLang="en-US" smtClean="0"/>
-              <a:t>2016/6/16</a:t>
+              <a:t>2016/6/17</a:t>
             </a:fld>
             <a:endParaRPr lang="zh-TW" altLang="en-US"/>
           </a:p>
@@ -3483,7 +3484,7 @@
           <a:p>
             <a:fld id="{077E0BBA-482F-44F5-8583-06D933ECC8E7}" type="datetime1">
               <a:rPr lang="zh-TW" altLang="en-US" smtClean="0"/>
-              <a:t>2016/6/16</a:t>
+              <a:t>2016/6/17</a:t>
             </a:fld>
             <a:endParaRPr lang="zh-TW" altLang="en-US"/>
           </a:p>
@@ -4077,32 +4078,8 @@
                     <a:latin typeface="微軟正黑體" panose="020B0604030504040204" pitchFamily="34" charset="-120"/>
                     <a:ea typeface="微軟正黑體" panose="020B0604030504040204" pitchFamily="34" charset="-120"/>
                   </a:rPr>
-                  <a:t>B10309040	</a:t>
+                  <a:t>B10309007</a:t>
                 </a:r>
-                <a:r>
-                  <a:rPr lang="zh-TW" altLang="en-US" sz="2000" dirty="0" smtClean="0">
-                    <a:solidFill>
-                      <a:schemeClr val="bg1"/>
-                    </a:solidFill>
-                    <a:latin typeface="微軟正黑體" panose="020B0604030504040204" pitchFamily="34" charset="-120"/>
-                    <a:ea typeface="微軟正黑體" panose="020B0604030504040204" pitchFamily="34" charset="-120"/>
-                  </a:rPr>
-                  <a:t>蔡瑜泓</a:t>
-                </a:r>
-                <a:endParaRPr lang="en-US" altLang="zh-TW" sz="2000" dirty="0" smtClean="0">
-                  <a:solidFill>
-                    <a:schemeClr val="bg1"/>
-                  </a:solidFill>
-                  <a:latin typeface="微軟正黑體" panose="020B0604030504040204" pitchFamily="34" charset="-120"/>
-                  <a:ea typeface="微軟正黑體" panose="020B0604030504040204" pitchFamily="34" charset="-120"/>
-                </a:endParaRPr>
-              </a:p>
-              <a:p>
-                <a:pPr>
-                  <a:lnSpc>
-                    <a:spcPct val="150000"/>
-                  </a:lnSpc>
-                </a:pPr>
                 <a:r>
                   <a:rPr lang="en-US" altLang="zh-TW" sz="2000" dirty="0" smtClean="0">
                     <a:solidFill>
@@ -4111,7 +4088,7 @@
                     <a:latin typeface="微軟正黑體" panose="020B0604030504040204" pitchFamily="34" charset="-120"/>
                     <a:ea typeface="微軟正黑體" panose="020B0604030504040204" pitchFamily="34" charset="-120"/>
                   </a:rPr>
-                  <a:t>B10309007	</a:t>
+                  <a:t>	</a:t>
                 </a:r>
                 <a:r>
                   <a:rPr lang="zh-TW" altLang="en-US" sz="2000" dirty="0" smtClean="0">
@@ -4150,7 +4127,51 @@
                   </a:rPr>
                   <a:t>陳穎婷</a:t>
                 </a:r>
-                <a:endParaRPr lang="zh-TW" altLang="en-US" sz="2000" dirty="0">
+                <a:endParaRPr lang="en-US" altLang="zh-TW" sz="2000" dirty="0" smtClean="0">
+                  <a:solidFill>
+                    <a:schemeClr val="bg1"/>
+                  </a:solidFill>
+                  <a:latin typeface="微軟正黑體" panose="020B0604030504040204" pitchFamily="34" charset="-120"/>
+                  <a:ea typeface="微軟正黑體" panose="020B0604030504040204" pitchFamily="34" charset="-120"/>
+                </a:endParaRPr>
+              </a:p>
+              <a:p>
+                <a:pPr>
+                  <a:lnSpc>
+                    <a:spcPct val="150000"/>
+                  </a:lnSpc>
+                </a:pPr>
+                <a:r>
+                  <a:rPr lang="en-US" altLang="zh-TW" sz="2000" dirty="0">
+                    <a:solidFill>
+                      <a:schemeClr val="bg1"/>
+                    </a:solidFill>
+                    <a:latin typeface="微軟正黑體" panose="020B0604030504040204" pitchFamily="34" charset="-120"/>
+                    <a:ea typeface="微軟正黑體" panose="020B0604030504040204" pitchFamily="34" charset="-120"/>
+                  </a:rPr>
+                  <a:t>B10309040	</a:t>
+                </a:r>
+                <a:r>
+                  <a:rPr lang="zh-TW" altLang="en-US" sz="2000" dirty="0">
+                    <a:solidFill>
+                      <a:schemeClr val="bg1"/>
+                    </a:solidFill>
+                    <a:latin typeface="微軟正黑體" panose="020B0604030504040204" pitchFamily="34" charset="-120"/>
+                    <a:ea typeface="微軟正黑體" panose="020B0604030504040204" pitchFamily="34" charset="-120"/>
+                  </a:rPr>
+                  <a:t>蔡瑜</a:t>
+                </a:r>
+                <a:r>
+                  <a:rPr lang="zh-TW" altLang="en-US" sz="2000" dirty="0" smtClean="0">
+                    <a:solidFill>
+                      <a:schemeClr val="bg1"/>
+                    </a:solidFill>
+                    <a:latin typeface="微軟正黑體" panose="020B0604030504040204" pitchFamily="34" charset="-120"/>
+                    <a:ea typeface="微軟正黑體" panose="020B0604030504040204" pitchFamily="34" charset="-120"/>
+                  </a:rPr>
+                  <a:t>泓</a:t>
+                </a:r>
+                <a:endParaRPr lang="en-US" altLang="zh-TW" sz="2000" dirty="0">
                   <a:solidFill>
                     <a:schemeClr val="bg1"/>
                   </a:solidFill>
@@ -5606,6 +5627,54 @@
       </p:grpSpPr>
       <p:sp>
         <p:nvSpPr>
+          <p:cNvPr id="29" name="矩形 28"/>
+          <p:cNvSpPr/>
+          <p:nvPr/>
+        </p:nvSpPr>
+        <p:spPr>
+          <a:xfrm>
+            <a:off x="0" y="1411523"/>
+            <a:ext cx="9144000" cy="4852799"/>
+          </a:xfrm>
+          <a:prstGeom prst="rect">
+            <a:avLst/>
+          </a:prstGeom>
+          <a:solidFill>
+            <a:schemeClr val="tx1">
+              <a:alpha val="53000"/>
+            </a:schemeClr>
+          </a:solidFill>
+          <a:ln>
+            <a:noFill/>
+          </a:ln>
+        </p:spPr>
+        <p:style>
+          <a:lnRef idx="2">
+            <a:schemeClr val="accent1">
+              <a:shade val="50000"/>
+            </a:schemeClr>
+          </a:lnRef>
+          <a:fillRef idx="1">
+            <a:schemeClr val="accent1"/>
+          </a:fillRef>
+          <a:effectRef idx="0">
+            <a:schemeClr val="accent1"/>
+          </a:effectRef>
+          <a:fontRef idx="minor">
+            <a:schemeClr val="lt1"/>
+          </a:fontRef>
+        </p:style>
+        <p:txBody>
+          <a:bodyPr rtlCol="0" anchor="ctr"/>
+          <a:lstStyle/>
+          <a:p>
+            <a:pPr algn="ctr"/>
+            <a:endParaRPr lang="zh-TW" altLang="en-US"/>
+          </a:p>
+        </p:txBody>
+      </p:sp>
+      <p:sp>
+        <p:nvSpPr>
           <p:cNvPr id="3" name="投影片編號版面配置區 2"/>
           <p:cNvSpPr>
             <a:spLocks noGrp="1"/>
@@ -5672,7 +5741,7 @@
         </p:nvCxnSpPr>
         <p:spPr>
           <a:xfrm>
-            <a:off x="609600" y="1219200"/>
+            <a:off x="473120" y="1219200"/>
             <a:ext cx="1574800" cy="0"/>
           </a:xfrm>
           <a:prstGeom prst="line">
@@ -5707,8 +5776,8 @@
         </p:nvCxnSpPr>
         <p:spPr>
           <a:xfrm>
-            <a:off x="939800" y="1346200"/>
-            <a:ext cx="2349500" cy="0"/>
+            <a:off x="1472063" y="527334"/>
+            <a:ext cx="1393968" cy="0"/>
           </a:xfrm>
           <a:prstGeom prst="line">
             <a:avLst/>
@@ -5742,7 +5811,7 @@
         </p:nvGrpSpPr>
         <p:grpSpPr>
           <a:xfrm>
-            <a:off x="3168650" y="2787650"/>
+            <a:off x="6116567" y="2871298"/>
             <a:ext cx="2781300" cy="2007295"/>
             <a:chOff x="584200" y="2743200"/>
             <a:chExt cx="2781300" cy="2007295"/>
@@ -5941,208 +6010,13 @@
       </p:grpSp>
       <p:grpSp>
         <p:nvGrpSpPr>
-          <p:cNvPr id="13" name="群組 12"/>
-          <p:cNvGrpSpPr/>
-          <p:nvPr/>
-        </p:nvGrpSpPr>
-        <p:grpSpPr>
-          <a:xfrm>
-            <a:off x="6121400" y="2787650"/>
-            <a:ext cx="2781300" cy="2007295"/>
-            <a:chOff x="584200" y="2743200"/>
-            <a:chExt cx="2781300" cy="2007295"/>
-          </a:xfrm>
-        </p:grpSpPr>
-        <p:grpSp>
-          <p:nvGrpSpPr>
-            <p:cNvPr id="14" name="群組 13"/>
-            <p:cNvGrpSpPr/>
-            <p:nvPr/>
-          </p:nvGrpSpPr>
-          <p:grpSpPr>
-            <a:xfrm>
-              <a:off x="666750" y="2743200"/>
-              <a:ext cx="2616200" cy="2007295"/>
-              <a:chOff x="692150" y="2120900"/>
-              <a:chExt cx="2616200" cy="2007295"/>
-            </a:xfrm>
-          </p:grpSpPr>
-          <p:sp>
-            <p:nvSpPr>
-              <p:cNvPr id="17" name="文字方塊 16"/>
-              <p:cNvSpPr txBox="1"/>
-              <p:nvPr/>
-            </p:nvSpPr>
-            <p:spPr>
-              <a:xfrm>
-                <a:off x="1111250" y="2120900"/>
-                <a:ext cx="1778000" cy="584775"/>
-              </a:xfrm>
-              <a:prstGeom prst="rect">
-                <a:avLst/>
-              </a:prstGeom>
-              <a:noFill/>
-            </p:spPr>
-            <p:txBody>
-              <a:bodyPr wrap="square" rtlCol="0">
-                <a:spAutoFit/>
-              </a:bodyPr>
-              <a:lstStyle/>
-              <a:p>
-                <a:pPr algn="ctr"/>
-                <a:r>
-                  <a:rPr lang="zh-TW" altLang="en-US" sz="3200" dirty="0" smtClean="0">
-                    <a:solidFill>
-                      <a:schemeClr val="bg1"/>
-                    </a:solidFill>
-                    <a:latin typeface="微軟正黑體" panose="020B0604030504040204" pitchFamily="34" charset="-120"/>
-                    <a:ea typeface="微軟正黑體" panose="020B0604030504040204" pitchFamily="34" charset="-120"/>
-                  </a:rPr>
-                  <a:t>陳穎婷</a:t>
-                </a:r>
-                <a:endParaRPr lang="zh-TW" altLang="en-US" sz="3200" dirty="0">
-                  <a:solidFill>
-                    <a:schemeClr val="bg1"/>
-                  </a:solidFill>
-                </a:endParaRPr>
-              </a:p>
-            </p:txBody>
-          </p:sp>
-          <p:sp>
-            <p:nvSpPr>
-              <p:cNvPr id="18" name="文字方塊 17"/>
-              <p:cNvSpPr txBox="1"/>
-              <p:nvPr/>
-            </p:nvSpPr>
-            <p:spPr>
-              <a:xfrm>
-                <a:off x="692150" y="2743200"/>
-                <a:ext cx="2616200" cy="1384995"/>
-              </a:xfrm>
-              <a:prstGeom prst="rect">
-                <a:avLst/>
-              </a:prstGeom>
-              <a:noFill/>
-            </p:spPr>
-            <p:txBody>
-              <a:bodyPr wrap="square" rtlCol="0">
-                <a:spAutoFit/>
-              </a:bodyPr>
-              <a:lstStyle/>
-              <a:p>
-                <a:pPr marL="285750" indent="-285750" algn="ctr">
-                  <a:lnSpc>
-                    <a:spcPct val="150000"/>
-                  </a:lnSpc>
-                  <a:buFont typeface="Wingdings" panose="05000000000000000000" pitchFamily="2" charset="2"/>
-                  <a:buChar char="ü"/>
-                </a:pPr>
-                <a:r>
-                  <a:rPr lang="zh-TW" altLang="en-US" sz="2800" spc="300" dirty="0" smtClean="0">
-                    <a:solidFill>
-                      <a:schemeClr val="tx2">
-                        <a:lumMod val="20000"/>
-                        <a:lumOff val="80000"/>
-                      </a:schemeClr>
-                    </a:solidFill>
-                    <a:latin typeface="微軟正黑體" panose="020B0604030504040204" pitchFamily="34" charset="-120"/>
-                    <a:ea typeface="微軟正黑體" panose="020B0604030504040204" pitchFamily="34" charset="-120"/>
-                  </a:rPr>
-                  <a:t>網站設計</a:t>
-                </a:r>
-                <a:endParaRPr lang="en-US" altLang="zh-TW" sz="2800" spc="300" dirty="0" smtClean="0">
-                  <a:solidFill>
-                    <a:schemeClr val="tx2">
-                      <a:lumMod val="20000"/>
-                      <a:lumOff val="80000"/>
-                    </a:schemeClr>
-                  </a:solidFill>
-                  <a:latin typeface="微軟正黑體" panose="020B0604030504040204" pitchFamily="34" charset="-120"/>
-                  <a:ea typeface="微軟正黑體" panose="020B0604030504040204" pitchFamily="34" charset="-120"/>
-                </a:endParaRPr>
-              </a:p>
-              <a:p>
-                <a:pPr marL="285750" indent="-285750" algn="ctr">
-                  <a:lnSpc>
-                    <a:spcPct val="150000"/>
-                  </a:lnSpc>
-                  <a:buFont typeface="Wingdings" panose="05000000000000000000" pitchFamily="2" charset="2"/>
-                  <a:buChar char="ü"/>
-                </a:pPr>
-                <a:r>
-                  <a:rPr lang="zh-TW" altLang="en-US" sz="2800" spc="300" dirty="0" smtClean="0">
-                    <a:solidFill>
-                      <a:schemeClr val="tx2">
-                        <a:lumMod val="20000"/>
-                        <a:lumOff val="80000"/>
-                      </a:schemeClr>
-                    </a:solidFill>
-                    <a:latin typeface="微軟正黑體" panose="020B0604030504040204" pitchFamily="34" charset="-120"/>
-                    <a:ea typeface="微軟正黑體" panose="020B0604030504040204" pitchFamily="34" charset="-120"/>
-                  </a:rPr>
-                  <a:t>前端製作</a:t>
-                </a:r>
-                <a:endParaRPr lang="en-US" altLang="zh-TW" sz="2800" spc="300" dirty="0" smtClean="0">
-                  <a:solidFill>
-                    <a:schemeClr val="tx2">
-                      <a:lumMod val="20000"/>
-                      <a:lumOff val="80000"/>
-                    </a:schemeClr>
-                  </a:solidFill>
-                  <a:latin typeface="微軟正黑體" panose="020B0604030504040204" pitchFamily="34" charset="-120"/>
-                  <a:ea typeface="微軟正黑體" panose="020B0604030504040204" pitchFamily="34" charset="-120"/>
-                </a:endParaRPr>
-              </a:p>
-            </p:txBody>
-          </p:sp>
-        </p:grpSp>
-        <p:cxnSp>
-          <p:nvCxnSpPr>
-            <p:cNvPr id="16" name="直線接點 15"/>
-            <p:cNvCxnSpPr/>
-            <p:nvPr/>
-          </p:nvCxnSpPr>
-          <p:spPr>
-            <a:xfrm>
-              <a:off x="584200" y="3392488"/>
-              <a:ext cx="2781300" cy="0"/>
-            </a:xfrm>
-            <a:prstGeom prst="line">
-              <a:avLst/>
-            </a:prstGeom>
-            <a:ln w="19050">
-              <a:solidFill>
-                <a:schemeClr val="accent5">
-                  <a:lumMod val="75000"/>
-                </a:schemeClr>
-              </a:solidFill>
-            </a:ln>
-          </p:spPr>
-          <p:style>
-            <a:lnRef idx="1">
-              <a:schemeClr val="accent1"/>
-            </a:lnRef>
-            <a:fillRef idx="0">
-              <a:schemeClr val="accent1"/>
-            </a:fillRef>
-            <a:effectRef idx="0">
-              <a:schemeClr val="accent1"/>
-            </a:effectRef>
-            <a:fontRef idx="minor">
-              <a:schemeClr val="tx1"/>
-            </a:fontRef>
-          </p:style>
-        </p:cxnSp>
-      </p:grpSp>
-      <p:grpSp>
-        <p:nvGrpSpPr>
           <p:cNvPr id="19" name="群組 18"/>
           <p:cNvGrpSpPr/>
           <p:nvPr/>
         </p:nvGrpSpPr>
         <p:grpSpPr>
           <a:xfrm>
-            <a:off x="215900" y="2787650"/>
+            <a:off x="3136947" y="2871298"/>
             <a:ext cx="2781300" cy="2007295"/>
             <a:chOff x="584200" y="2743200"/>
             <a:chExt cx="2781300" cy="2007295"/>
@@ -6330,6 +6204,201 @@
           </p:style>
         </p:cxnSp>
       </p:grpSp>
+      <p:grpSp>
+        <p:nvGrpSpPr>
+          <p:cNvPr id="24" name="群組 23"/>
+          <p:cNvGrpSpPr/>
+          <p:nvPr/>
+        </p:nvGrpSpPr>
+        <p:grpSpPr>
+          <a:xfrm>
+            <a:off x="157328" y="2871298"/>
+            <a:ext cx="2781300" cy="2007295"/>
+            <a:chOff x="584200" y="2743200"/>
+            <a:chExt cx="2781300" cy="2007295"/>
+          </a:xfrm>
+        </p:grpSpPr>
+        <p:grpSp>
+          <p:nvGrpSpPr>
+            <p:cNvPr id="25" name="群組 24"/>
+            <p:cNvGrpSpPr/>
+            <p:nvPr/>
+          </p:nvGrpSpPr>
+          <p:grpSpPr>
+            <a:xfrm>
+              <a:off x="666750" y="2743200"/>
+              <a:ext cx="2616200" cy="2007295"/>
+              <a:chOff x="692150" y="2120900"/>
+              <a:chExt cx="2616200" cy="2007295"/>
+            </a:xfrm>
+          </p:grpSpPr>
+          <p:sp>
+            <p:nvSpPr>
+              <p:cNvPr id="27" name="文字方塊 26"/>
+              <p:cNvSpPr txBox="1"/>
+              <p:nvPr/>
+            </p:nvSpPr>
+            <p:spPr>
+              <a:xfrm>
+                <a:off x="1111250" y="2120900"/>
+                <a:ext cx="1778000" cy="584775"/>
+              </a:xfrm>
+              <a:prstGeom prst="rect">
+                <a:avLst/>
+              </a:prstGeom>
+              <a:noFill/>
+            </p:spPr>
+            <p:txBody>
+              <a:bodyPr wrap="square" rtlCol="0">
+                <a:spAutoFit/>
+              </a:bodyPr>
+              <a:lstStyle/>
+              <a:p>
+                <a:pPr algn="ctr"/>
+                <a:r>
+                  <a:rPr lang="zh-TW" altLang="en-US" sz="3200" dirty="0" smtClean="0">
+                    <a:solidFill>
+                      <a:schemeClr val="bg1"/>
+                    </a:solidFill>
+                    <a:latin typeface="微軟正黑體" panose="020B0604030504040204" pitchFamily="34" charset="-120"/>
+                    <a:ea typeface="微軟正黑體" panose="020B0604030504040204" pitchFamily="34" charset="-120"/>
+                  </a:rPr>
+                  <a:t>陳穎婷</a:t>
+                </a:r>
+                <a:endParaRPr lang="zh-TW" altLang="en-US" sz="3200" dirty="0">
+                  <a:solidFill>
+                    <a:schemeClr val="bg1"/>
+                  </a:solidFill>
+                </a:endParaRPr>
+              </a:p>
+            </p:txBody>
+          </p:sp>
+          <p:sp>
+            <p:nvSpPr>
+              <p:cNvPr id="28" name="文字方塊 27"/>
+              <p:cNvSpPr txBox="1"/>
+              <p:nvPr/>
+            </p:nvSpPr>
+            <p:spPr>
+              <a:xfrm>
+                <a:off x="692150" y="2743200"/>
+                <a:ext cx="2616200" cy="1384995"/>
+              </a:xfrm>
+              <a:prstGeom prst="rect">
+                <a:avLst/>
+              </a:prstGeom>
+              <a:noFill/>
+            </p:spPr>
+            <p:txBody>
+              <a:bodyPr wrap="square" rtlCol="0">
+                <a:spAutoFit/>
+              </a:bodyPr>
+              <a:lstStyle/>
+              <a:p>
+                <a:pPr marL="285750" indent="-285750" algn="ctr">
+                  <a:lnSpc>
+                    <a:spcPct val="150000"/>
+                  </a:lnSpc>
+                  <a:buFont typeface="Wingdings" panose="05000000000000000000" pitchFamily="2" charset="2"/>
+                  <a:buChar char="ü"/>
+                </a:pPr>
+                <a:r>
+                  <a:rPr lang="zh-TW" altLang="en-US" sz="2800" spc="300" dirty="0" smtClean="0">
+                    <a:solidFill>
+                      <a:schemeClr val="tx2">
+                        <a:lumMod val="20000"/>
+                        <a:lumOff val="80000"/>
+                      </a:schemeClr>
+                    </a:solidFill>
+                    <a:latin typeface="微軟正黑體" panose="020B0604030504040204" pitchFamily="34" charset="-120"/>
+                    <a:ea typeface="微軟正黑體" panose="020B0604030504040204" pitchFamily="34" charset="-120"/>
+                  </a:rPr>
+                  <a:t>網站設計</a:t>
+                </a:r>
+                <a:endParaRPr lang="en-US" altLang="zh-TW" sz="2800" spc="300" dirty="0" smtClean="0">
+                  <a:solidFill>
+                    <a:schemeClr val="tx2">
+                      <a:lumMod val="20000"/>
+                      <a:lumOff val="80000"/>
+                    </a:schemeClr>
+                  </a:solidFill>
+                  <a:latin typeface="微軟正黑體" panose="020B0604030504040204" pitchFamily="34" charset="-120"/>
+                  <a:ea typeface="微軟正黑體" panose="020B0604030504040204" pitchFamily="34" charset="-120"/>
+                </a:endParaRPr>
+              </a:p>
+              <a:p>
+                <a:pPr marL="285750" indent="-285750" algn="ctr">
+                  <a:lnSpc>
+                    <a:spcPct val="150000"/>
+                  </a:lnSpc>
+                  <a:buFont typeface="Wingdings" panose="05000000000000000000" pitchFamily="2" charset="2"/>
+                  <a:buChar char="ü"/>
+                </a:pPr>
+                <a:r>
+                  <a:rPr lang="zh-TW" altLang="en-US" sz="2800" spc="300" dirty="0" smtClean="0">
+                    <a:solidFill>
+                      <a:schemeClr val="tx2">
+                        <a:lumMod val="20000"/>
+                        <a:lumOff val="80000"/>
+                      </a:schemeClr>
+                    </a:solidFill>
+                    <a:latin typeface="微軟正黑體" panose="020B0604030504040204" pitchFamily="34" charset="-120"/>
+                    <a:ea typeface="微軟正黑體" panose="020B0604030504040204" pitchFamily="34" charset="-120"/>
+                  </a:rPr>
+                  <a:t>前端製作</a:t>
+                </a:r>
+                <a:endParaRPr lang="en-US" altLang="zh-TW" sz="2800" spc="300" dirty="0" smtClean="0">
+                  <a:solidFill>
+                    <a:schemeClr val="tx2">
+                      <a:lumMod val="20000"/>
+                      <a:lumOff val="80000"/>
+                    </a:schemeClr>
+                  </a:solidFill>
+                  <a:latin typeface="微軟正黑體" panose="020B0604030504040204" pitchFamily="34" charset="-120"/>
+                  <a:ea typeface="微軟正黑體" panose="020B0604030504040204" pitchFamily="34" charset="-120"/>
+                </a:endParaRPr>
+              </a:p>
+            </p:txBody>
+          </p:sp>
+        </p:grpSp>
+        <p:cxnSp>
+          <p:nvCxnSpPr>
+            <p:cNvPr id="26" name="直線接點 25"/>
+            <p:cNvCxnSpPr/>
+            <p:nvPr/>
+          </p:nvCxnSpPr>
+          <p:spPr>
+            <a:xfrm>
+              <a:off x="584200" y="3392488"/>
+              <a:ext cx="2781300" cy="0"/>
+            </a:xfrm>
+            <a:prstGeom prst="line">
+              <a:avLst/>
+            </a:prstGeom>
+            <a:ln w="19050">
+              <a:solidFill>
+                <a:schemeClr val="accent5">
+                  <a:lumMod val="75000"/>
+                </a:schemeClr>
+              </a:solidFill>
+            </a:ln>
+          </p:spPr>
+          <p:style>
+            <a:lnRef idx="1">
+              <a:schemeClr val="accent1"/>
+            </a:lnRef>
+            <a:fillRef idx="0">
+              <a:schemeClr val="accent1"/>
+            </a:fillRef>
+            <a:effectRef idx="0">
+              <a:schemeClr val="accent1"/>
+            </a:effectRef>
+            <a:fontRef idx="minor">
+              <a:schemeClr val="tx1"/>
+            </a:fontRef>
+          </p:style>
+        </p:cxnSp>
+      </p:grpSp>
     </p:spTree>
     <p:extLst>
       <p:ext uri="{BB962C8B-B14F-4D97-AF65-F5344CB8AC3E}">
@@ -6445,7 +6514,7 @@
                 <a:latin typeface="微軟正黑體" panose="020B0604030504040204" pitchFamily="34" charset="-120"/>
                 <a:ea typeface="微軟正黑體" panose="020B0604030504040204" pitchFamily="34" charset="-120"/>
               </a:rPr>
-              <a:t>自評分數</a:t>
+              <a:t>心得</a:t>
             </a:r>
             <a:endParaRPr lang="zh-TW" altLang="en-US" sz="4400" dirty="0">
               <a:solidFill>
@@ -6562,8 +6631,55 @@
         </p:nvSpPr>
         <p:spPr>
           <a:xfrm>
-            <a:off x="858129" y="1899138"/>
-            <a:ext cx="3981157" cy="3826413"/>
+            <a:off x="2581317" y="1381364"/>
+            <a:ext cx="1637731" cy="461665"/>
+          </a:xfrm>
+          <a:prstGeom prst="rect">
+            <a:avLst/>
+          </a:prstGeom>
+          <a:solidFill>
+            <a:schemeClr val="tx1">
+              <a:alpha val="72000"/>
+            </a:schemeClr>
+          </a:solidFill>
+        </p:spPr>
+        <p:txBody>
+          <a:bodyPr wrap="square" rtlCol="0">
+            <a:spAutoFit/>
+          </a:bodyPr>
+          <a:lstStyle/>
+          <a:p>
+            <a:pPr algn="ctr"/>
+            <a:r>
+              <a:rPr lang="zh-TW" altLang="en-US" sz="2400" dirty="0" smtClean="0">
+                <a:solidFill>
+                  <a:schemeClr val="bg1"/>
+                </a:solidFill>
+                <a:latin typeface="微軟正黑體" panose="020B0604030504040204" pitchFamily="34" charset="-120"/>
+                <a:ea typeface="微軟正黑體" panose="020B0604030504040204" pitchFamily="34" charset="-120"/>
+              </a:rPr>
+              <a:t>陳穎婷</a:t>
+            </a:r>
+            <a:endParaRPr lang="zh-TW" altLang="en-US" sz="2400" dirty="0">
+              <a:solidFill>
+                <a:schemeClr val="bg1"/>
+              </a:solidFill>
+              <a:latin typeface="微軟正黑體" panose="020B0604030504040204" pitchFamily="34" charset="-120"/>
+              <a:ea typeface="微軟正黑體" panose="020B0604030504040204" pitchFamily="34" charset="-120"/>
+            </a:endParaRPr>
+          </a:p>
+        </p:txBody>
+      </p:sp>
+      <p:sp>
+        <p:nvSpPr>
+          <p:cNvPr id="4" name="文字方塊 3"/>
+          <p:cNvSpPr txBox="1"/>
+          <p:nvPr/>
+        </p:nvSpPr>
+        <p:spPr>
+          <a:xfrm>
+            <a:off x="225082" y="2377440"/>
+            <a:ext cx="4867422" cy="4247317"/>
           </a:xfrm>
           <a:prstGeom prst="rect">
             <a:avLst/>
@@ -6576,14 +6692,117 @@
           </a:bodyPr>
           <a:lstStyle/>
           <a:p>
-            <a:endParaRPr lang="zh-TW" altLang="en-US" dirty="0"/>
+            <a:pPr algn="just">
+              <a:lnSpc>
+                <a:spcPct val="150000"/>
+              </a:lnSpc>
+            </a:pPr>
+            <a:r>
+              <a:rPr lang="zh-TW" altLang="en-US" spc="300" dirty="0">
+                <a:latin typeface="微軟正黑體" panose="020B0604030504040204" pitchFamily="34" charset="-120"/>
+                <a:ea typeface="微軟正黑體" panose="020B0604030504040204" pitchFamily="34" charset="-120"/>
+              </a:rPr>
+              <a:t>　</a:t>
+            </a:r>
+            <a:r>
+              <a:rPr lang="zh-TW" altLang="en-US" spc="300" dirty="0" smtClean="0">
+                <a:latin typeface="微軟正黑體" panose="020B0604030504040204" pitchFamily="34" charset="-120"/>
+                <a:ea typeface="微軟正黑體" panose="020B0604030504040204" pitchFamily="34" charset="-120"/>
+              </a:rPr>
+              <a:t>　期中</a:t>
+            </a:r>
+            <a:r>
+              <a:rPr lang="zh-TW" altLang="en-US" spc="300" dirty="0">
+                <a:latin typeface="微軟正黑體" panose="020B0604030504040204" pitchFamily="34" charset="-120"/>
+                <a:ea typeface="微軟正黑體" panose="020B0604030504040204" pitchFamily="34" charset="-120"/>
+              </a:rPr>
+              <a:t>後開始準備製作網站時，我們在簡報中排定了詳細的時程。雖然我自告奮勇接下了前端，但等到實際做的時候才發現不如想像中容易，也因此耽誤了很多時間</a:t>
+            </a:r>
+            <a:r>
+              <a:rPr lang="zh-TW" altLang="en-US" spc="300" dirty="0" smtClean="0">
+                <a:latin typeface="微軟正黑體" panose="020B0604030504040204" pitchFamily="34" charset="-120"/>
+                <a:ea typeface="微軟正黑體" panose="020B0604030504040204" pitchFamily="34" charset="-120"/>
+              </a:rPr>
+              <a:t>。</a:t>
+            </a:r>
+            <a:endParaRPr lang="en-US" altLang="zh-TW" spc="300" dirty="0" smtClean="0">
+              <a:latin typeface="微軟正黑體" panose="020B0604030504040204" pitchFamily="34" charset="-120"/>
+              <a:ea typeface="微軟正黑體" panose="020B0604030504040204" pitchFamily="34" charset="-120"/>
+            </a:endParaRPr>
+          </a:p>
+          <a:p>
+            <a:pPr algn="just">
+              <a:lnSpc>
+                <a:spcPct val="150000"/>
+              </a:lnSpc>
+            </a:pPr>
+            <a:r>
+              <a:rPr lang="zh-TW" altLang="en-US" spc="300" dirty="0">
+                <a:latin typeface="微軟正黑體" panose="020B0604030504040204" pitchFamily="34" charset="-120"/>
+                <a:ea typeface="微軟正黑體" panose="020B0604030504040204" pitchFamily="34" charset="-120"/>
+              </a:rPr>
+              <a:t>　　</a:t>
+            </a:r>
+            <a:r>
+              <a:rPr lang="zh-TW" altLang="en-US" spc="300" dirty="0" smtClean="0">
+                <a:latin typeface="微軟正黑體" panose="020B0604030504040204" pitchFamily="34" charset="-120"/>
+                <a:ea typeface="微軟正黑體" panose="020B0604030504040204" pitchFamily="34" charset="-120"/>
+              </a:rPr>
+              <a:t>在</a:t>
+            </a:r>
+            <a:r>
+              <a:rPr lang="zh-TW" altLang="en-US" spc="300" dirty="0">
+                <a:latin typeface="微軟正黑體" panose="020B0604030504040204" pitchFamily="34" charset="-120"/>
+                <a:ea typeface="微軟正黑體" panose="020B0604030504040204" pitchFamily="34" charset="-120"/>
+              </a:rPr>
+              <a:t>製作過程中也</a:t>
+            </a:r>
+            <a:r>
+              <a:rPr lang="zh-TW" altLang="en-US" strike="dblStrike" spc="300" dirty="0">
+                <a:latin typeface="微軟正黑體" panose="020B0604030504040204" pitchFamily="34" charset="-120"/>
+                <a:ea typeface="微軟正黑體" panose="020B0604030504040204" pitchFamily="34" charset="-120"/>
+              </a:rPr>
+              <a:t>多虧有郁卉大大</a:t>
+            </a:r>
+            <a:r>
+              <a:rPr lang="zh-TW" altLang="en-US" spc="300" dirty="0">
+                <a:latin typeface="微軟正黑體" panose="020B0604030504040204" pitchFamily="34" charset="-120"/>
+                <a:ea typeface="微軟正黑體" panose="020B0604030504040204" pitchFamily="34" charset="-120"/>
+              </a:rPr>
+              <a:t>幫忙，我才能順利在端午連假前產出前端，並在討論後讓瑜泓幫忙連結，讓後端資料可以順利顯示於網頁上。</a:t>
+            </a:r>
+          </a:p>
+          <a:p>
+            <a:pPr algn="just">
+              <a:lnSpc>
+                <a:spcPct val="150000"/>
+              </a:lnSpc>
+            </a:pPr>
+            <a:r>
+              <a:rPr lang="zh-TW" altLang="en-US" spc="300" dirty="0">
+                <a:latin typeface="微軟正黑體" panose="020B0604030504040204" pitchFamily="34" charset="-120"/>
+                <a:ea typeface="微軟正黑體" panose="020B0604030504040204" pitchFamily="34" charset="-120"/>
+              </a:rPr>
+              <a:t>這學期非常感謝兩位的</a:t>
+            </a:r>
+            <a:r>
+              <a:rPr lang="en-US" altLang="zh-TW" spc="300" dirty="0">
+                <a:latin typeface="微軟正黑體" panose="020B0604030504040204" pitchFamily="34" charset="-120"/>
+                <a:ea typeface="微軟正黑體" panose="020B0604030504040204" pitchFamily="34" charset="-120"/>
+              </a:rPr>
+              <a:t>carry</a:t>
+            </a:r>
+            <a:endParaRPr lang="zh-TW" altLang="en-US" spc="300" dirty="0">
+              <a:latin typeface="微軟正黑體" panose="020B0604030504040204" pitchFamily="34" charset="-120"/>
+              <a:ea typeface="微軟正黑體" panose="020B0604030504040204" pitchFamily="34" charset="-120"/>
+            </a:endParaRPr>
           </a:p>
         </p:txBody>
       </p:sp>
     </p:spTree>
     <p:extLst>
       <p:ext uri="{BB962C8B-B14F-4D97-AF65-F5344CB8AC3E}">
-        <p14:creationId xmlns:p14="http://schemas.microsoft.com/office/powerpoint/2010/main" val="1337200670"/>
+        <p14:creationId xmlns:p14="http://schemas.microsoft.com/office/powerpoint/2010/main" val="2483245497"/>
       </p:ext>
     </p:extLst>
   </p:cSld>
@@ -6686,7 +6905,7 @@
           <a:p>
             <a:pPr algn="ctr"/>
             <a:r>
-              <a:rPr lang="zh-TW" altLang="en-US" sz="4400" dirty="0">
+              <a:rPr lang="zh-TW" altLang="en-US" sz="4400" dirty="0" smtClean="0">
                 <a:solidFill>
                   <a:schemeClr val="bg2">
                     <a:lumMod val="75000"/>
@@ -6697,6 +6916,15 @@
               </a:rPr>
               <a:t>心得</a:t>
             </a:r>
+            <a:endParaRPr lang="zh-TW" altLang="en-US" sz="4400" dirty="0">
+              <a:solidFill>
+                <a:schemeClr val="bg2">
+                  <a:lumMod val="75000"/>
+                </a:schemeClr>
+              </a:solidFill>
+              <a:latin typeface="微軟正黑體" panose="020B0604030504040204" pitchFamily="34" charset="-120"/>
+              <a:ea typeface="微軟正黑體" panose="020B0604030504040204" pitchFamily="34" charset="-120"/>
+            </a:endParaRPr>
           </a:p>
         </p:txBody>
       </p:sp>
@@ -6795,10 +7023,112 @@
           </a:p>
         </p:txBody>
       </p:sp>
+      <p:sp>
+        <p:nvSpPr>
+          <p:cNvPr id="2" name="文字方塊 1"/>
+          <p:cNvSpPr txBox="1"/>
+          <p:nvPr/>
+        </p:nvSpPr>
+        <p:spPr>
+          <a:xfrm>
+            <a:off x="2581317" y="1381364"/>
+            <a:ext cx="1637731" cy="461665"/>
+          </a:xfrm>
+          <a:prstGeom prst="rect">
+            <a:avLst/>
+          </a:prstGeom>
+          <a:solidFill>
+            <a:schemeClr val="tx1">
+              <a:alpha val="72000"/>
+            </a:schemeClr>
+          </a:solidFill>
+        </p:spPr>
+        <p:txBody>
+          <a:bodyPr wrap="square" rtlCol="0">
+            <a:spAutoFit/>
+          </a:bodyPr>
+          <a:lstStyle/>
+          <a:p>
+            <a:pPr algn="ctr"/>
+            <a:r>
+              <a:rPr lang="zh-TW" altLang="en-US" sz="2400" dirty="0" smtClean="0">
+                <a:solidFill>
+                  <a:schemeClr val="bg1"/>
+                </a:solidFill>
+                <a:latin typeface="微軟正黑體" panose="020B0604030504040204" pitchFamily="34" charset="-120"/>
+                <a:ea typeface="微軟正黑體" panose="020B0604030504040204" pitchFamily="34" charset="-120"/>
+              </a:rPr>
+              <a:t>蔡瑜泓</a:t>
+            </a:r>
+            <a:endParaRPr lang="zh-TW" altLang="en-US" sz="2400" dirty="0">
+              <a:solidFill>
+                <a:schemeClr val="bg1"/>
+              </a:solidFill>
+              <a:latin typeface="微軟正黑體" panose="020B0604030504040204" pitchFamily="34" charset="-120"/>
+              <a:ea typeface="微軟正黑體" panose="020B0604030504040204" pitchFamily="34" charset="-120"/>
+            </a:endParaRPr>
+          </a:p>
+        </p:txBody>
+      </p:sp>
+      <p:sp>
+        <p:nvSpPr>
+          <p:cNvPr id="4" name="文字方塊 3"/>
+          <p:cNvSpPr txBox="1"/>
+          <p:nvPr/>
+        </p:nvSpPr>
+        <p:spPr>
+          <a:xfrm>
+            <a:off x="239150" y="2560320"/>
+            <a:ext cx="4867422" cy="2169825"/>
+          </a:xfrm>
+          <a:prstGeom prst="rect">
+            <a:avLst/>
+          </a:prstGeom>
+          <a:noFill/>
+        </p:spPr>
+        <p:txBody>
+          <a:bodyPr wrap="square" rtlCol="0">
+            <a:spAutoFit/>
+          </a:bodyPr>
+          <a:lstStyle/>
+          <a:p>
+            <a:pPr algn="just">
+              <a:lnSpc>
+                <a:spcPct val="150000"/>
+              </a:lnSpc>
+            </a:pPr>
+            <a:r>
+              <a:rPr lang="zh-TW" altLang="en-US" spc="300" dirty="0">
+                <a:latin typeface="微軟正黑體" panose="020B0604030504040204" pitchFamily="34" charset="-120"/>
+                <a:ea typeface="微軟正黑體" panose="020B0604030504040204" pitchFamily="34" charset="-120"/>
+              </a:rPr>
+              <a:t>　　</a:t>
+            </a:r>
+            <a:r>
+              <a:rPr lang="zh-TW" altLang="en-US" dirty="0" smtClean="0">
+                <a:latin typeface="微軟正黑體" panose="020B0604030504040204" pitchFamily="34" charset="-120"/>
+                <a:ea typeface="微軟正黑體" panose="020B0604030504040204" pitchFamily="34" charset="-120"/>
+              </a:rPr>
+              <a:t>在</a:t>
+            </a:r>
+            <a:r>
+              <a:rPr lang="zh-TW" altLang="en-US" dirty="0">
+                <a:latin typeface="微軟正黑體" panose="020B0604030504040204" pitchFamily="34" charset="-120"/>
+                <a:ea typeface="微軟正黑體" panose="020B0604030504040204" pitchFamily="34" charset="-120"/>
+              </a:rPr>
+              <a:t>這堂課中，我第一次自己寫出了自己的網站，也是第一次跟別人共同完成一個網站！同時也是第一次觸碰後端的部分。感謝組員們給了我這次的機會。未來我會嘗試觸碰更多不同的後端程式以及資料庫，增加自己的實力！</a:t>
+            </a:r>
+            <a:endParaRPr lang="zh-TW" altLang="en-US" spc="300" dirty="0">
+              <a:latin typeface="微軟正黑體" panose="020B0604030504040204" pitchFamily="34" charset="-120"/>
+              <a:ea typeface="微軟正黑體" panose="020B0604030504040204" pitchFamily="34" charset="-120"/>
+            </a:endParaRPr>
+          </a:p>
+        </p:txBody>
+      </p:sp>
     </p:spTree>
     <p:extLst>
       <p:ext uri="{BB962C8B-B14F-4D97-AF65-F5344CB8AC3E}">
-        <p14:creationId xmlns:p14="http://schemas.microsoft.com/office/powerpoint/2010/main" val="2483245497"/>
+        <p14:creationId xmlns:p14="http://schemas.microsoft.com/office/powerpoint/2010/main" val="2344288705"/>
       </p:ext>
     </p:extLst>
   </p:cSld>
@@ -9414,6 +9744,470 @@
       </p:grpSpPr>
       <p:sp>
         <p:nvSpPr>
+          <p:cNvPr id="3" name="投影片編號版面配置區 2"/>
+          <p:cNvSpPr>
+            <a:spLocks noGrp="1"/>
+          </p:cNvSpPr>
+          <p:nvPr>
+            <p:ph type="sldNum" sz="quarter" idx="12"/>
+          </p:nvPr>
+        </p:nvSpPr>
+        <p:spPr>
+          <a:ln>
+            <a:noFill/>
+          </a:ln>
+        </p:spPr>
+        <p:txBody>
+          <a:bodyPr/>
+          <a:lstStyle/>
+          <a:p>
+            <a:fld id="{BFCB5B21-9AD0-4DAA-B5D5-6148B5CCAA43}" type="slidenum">
+              <a:rPr lang="zh-TW" altLang="en-US" smtClean="0">
+                <a:solidFill>
+                  <a:schemeClr val="tx1">
+                    <a:lumMod val="75000"/>
+                    <a:lumOff val="25000"/>
+                  </a:schemeClr>
+                </a:solidFill>
+              </a:rPr>
+              <a:pPr/>
+              <a:t>20</a:t>
+            </a:fld>
+            <a:endParaRPr lang="zh-TW" altLang="en-US">
+              <a:solidFill>
+                <a:schemeClr val="tx1">
+                  <a:lumMod val="75000"/>
+                  <a:lumOff val="25000"/>
+                </a:schemeClr>
+              </a:solidFill>
+            </a:endParaRPr>
+          </a:p>
+        </p:txBody>
+      </p:sp>
+      <p:sp>
+        <p:nvSpPr>
+          <p:cNvPr id="9" name="文字方塊 8"/>
+          <p:cNvSpPr txBox="1"/>
+          <p:nvPr/>
+        </p:nvSpPr>
+        <p:spPr>
+          <a:xfrm>
+            <a:off x="406400" y="469900"/>
+            <a:ext cx="2552700" cy="769441"/>
+          </a:xfrm>
+          <a:prstGeom prst="rect">
+            <a:avLst/>
+          </a:prstGeom>
+          <a:noFill/>
+          <a:ln>
+            <a:noFill/>
+          </a:ln>
+        </p:spPr>
+        <p:txBody>
+          <a:bodyPr wrap="square" rtlCol="0">
+            <a:spAutoFit/>
+          </a:bodyPr>
+          <a:lstStyle/>
+          <a:p>
+            <a:pPr algn="ctr"/>
+            <a:r>
+              <a:rPr lang="zh-TW" altLang="en-US" sz="4400" dirty="0" smtClean="0">
+                <a:solidFill>
+                  <a:schemeClr val="bg2">
+                    <a:lumMod val="75000"/>
+                  </a:schemeClr>
+                </a:solidFill>
+                <a:latin typeface="微軟正黑體" panose="020B0604030504040204" pitchFamily="34" charset="-120"/>
+                <a:ea typeface="微軟正黑體" panose="020B0604030504040204" pitchFamily="34" charset="-120"/>
+              </a:rPr>
+              <a:t>心得</a:t>
+            </a:r>
+            <a:endParaRPr lang="zh-TW" altLang="en-US" sz="4400" dirty="0">
+              <a:solidFill>
+                <a:schemeClr val="bg2">
+                  <a:lumMod val="75000"/>
+                </a:schemeClr>
+              </a:solidFill>
+              <a:latin typeface="微軟正黑體" panose="020B0604030504040204" pitchFamily="34" charset="-120"/>
+              <a:ea typeface="微軟正黑體" panose="020B0604030504040204" pitchFamily="34" charset="-120"/>
+            </a:endParaRPr>
+          </a:p>
+        </p:txBody>
+      </p:sp>
+      <p:sp>
+        <p:nvSpPr>
+          <p:cNvPr id="5" name="菱形 4"/>
+          <p:cNvSpPr/>
+          <p:nvPr/>
+        </p:nvSpPr>
+        <p:spPr>
+          <a:xfrm rot="21062879">
+            <a:off x="5094514" y="706438"/>
+            <a:ext cx="5603965" cy="5372100"/>
+          </a:xfrm>
+          <a:prstGeom prst="diamond">
+            <a:avLst/>
+          </a:prstGeom>
+          <a:blipFill>
+            <a:blip r:embed="rId2"/>
+            <a:stretch>
+              <a:fillRect/>
+            </a:stretch>
+          </a:blipFill>
+          <a:ln>
+            <a:noFill/>
+          </a:ln>
+        </p:spPr>
+        <p:style>
+          <a:lnRef idx="2">
+            <a:schemeClr val="accent1">
+              <a:shade val="50000"/>
+            </a:schemeClr>
+          </a:lnRef>
+          <a:fillRef idx="1">
+            <a:schemeClr val="accent1"/>
+          </a:fillRef>
+          <a:effectRef idx="0">
+            <a:schemeClr val="accent1"/>
+          </a:effectRef>
+          <a:fontRef idx="minor">
+            <a:schemeClr val="lt1"/>
+          </a:fontRef>
+        </p:style>
+        <p:txBody>
+          <a:bodyPr rtlCol="0" anchor="ctr"/>
+          <a:lstStyle/>
+          <a:p>
+            <a:pPr algn="ctr"/>
+            <a:endParaRPr lang="zh-TW" altLang="en-US" dirty="0"/>
+          </a:p>
+        </p:txBody>
+      </p:sp>
+      <p:sp>
+        <p:nvSpPr>
+          <p:cNvPr id="7" name="菱形 6"/>
+          <p:cNvSpPr/>
+          <p:nvPr/>
+        </p:nvSpPr>
+        <p:spPr>
+          <a:xfrm rot="1527001">
+            <a:off x="4861152" y="728892"/>
+            <a:ext cx="5633704" cy="5259719"/>
+          </a:xfrm>
+          <a:prstGeom prst="diamond">
+            <a:avLst/>
+          </a:prstGeom>
+          <a:noFill/>
+          <a:ln w="22225">
+            <a:solidFill>
+              <a:srgbClr val="CBD4E5"/>
+            </a:solidFill>
+          </a:ln>
+        </p:spPr>
+        <p:style>
+          <a:lnRef idx="2">
+            <a:schemeClr val="accent1">
+              <a:shade val="50000"/>
+            </a:schemeClr>
+          </a:lnRef>
+          <a:fillRef idx="1">
+            <a:schemeClr val="accent1"/>
+          </a:fillRef>
+          <a:effectRef idx="0">
+            <a:schemeClr val="accent1"/>
+          </a:effectRef>
+          <a:fontRef idx="minor">
+            <a:schemeClr val="lt1"/>
+          </a:fontRef>
+        </p:style>
+        <p:txBody>
+          <a:bodyPr rtlCol="0" anchor="ctr"/>
+          <a:lstStyle/>
+          <a:p>
+            <a:pPr algn="ctr"/>
+            <a:endParaRPr lang="zh-TW" altLang="en-US"/>
+          </a:p>
+        </p:txBody>
+      </p:sp>
+      <p:sp>
+        <p:nvSpPr>
+          <p:cNvPr id="2" name="文字方塊 1"/>
+          <p:cNvSpPr txBox="1"/>
+          <p:nvPr/>
+        </p:nvSpPr>
+        <p:spPr>
+          <a:xfrm>
+            <a:off x="2581317" y="1381364"/>
+            <a:ext cx="1637731" cy="461665"/>
+          </a:xfrm>
+          <a:prstGeom prst="rect">
+            <a:avLst/>
+          </a:prstGeom>
+          <a:solidFill>
+            <a:schemeClr val="tx1">
+              <a:alpha val="72000"/>
+            </a:schemeClr>
+          </a:solidFill>
+        </p:spPr>
+        <p:txBody>
+          <a:bodyPr wrap="square" rtlCol="0">
+            <a:spAutoFit/>
+          </a:bodyPr>
+          <a:lstStyle/>
+          <a:p>
+            <a:pPr algn="ctr"/>
+            <a:r>
+              <a:rPr lang="zh-TW" altLang="en-US" sz="2400" dirty="0" smtClean="0">
+                <a:solidFill>
+                  <a:schemeClr val="bg1"/>
+                </a:solidFill>
+                <a:latin typeface="微軟正黑體" panose="020B0604030504040204" pitchFamily="34" charset="-120"/>
+                <a:ea typeface="微軟正黑體" panose="020B0604030504040204" pitchFamily="34" charset="-120"/>
+              </a:rPr>
+              <a:t>王</a:t>
+            </a:r>
+            <a:r>
+              <a:rPr lang="zh-TW" altLang="en-US" sz="2400" dirty="0">
+                <a:solidFill>
+                  <a:schemeClr val="bg1"/>
+                </a:solidFill>
+                <a:latin typeface="微軟正黑體" panose="020B0604030504040204" pitchFamily="34" charset="-120"/>
+                <a:ea typeface="微軟正黑體" panose="020B0604030504040204" pitchFamily="34" charset="-120"/>
+              </a:rPr>
+              <a:t>郁卉</a:t>
+            </a:r>
+          </a:p>
+        </p:txBody>
+      </p:sp>
+      <p:sp>
+        <p:nvSpPr>
+          <p:cNvPr id="4" name="文字方塊 3"/>
+          <p:cNvSpPr txBox="1"/>
+          <p:nvPr/>
+        </p:nvSpPr>
+        <p:spPr>
+          <a:xfrm>
+            <a:off x="239150" y="2560320"/>
+            <a:ext cx="4994032" cy="3000821"/>
+          </a:xfrm>
+          <a:prstGeom prst="rect">
+            <a:avLst/>
+          </a:prstGeom>
+          <a:noFill/>
+        </p:spPr>
+        <p:txBody>
+          <a:bodyPr wrap="square" rtlCol="0">
+            <a:spAutoFit/>
+          </a:bodyPr>
+          <a:lstStyle/>
+          <a:p>
+            <a:pPr algn="just">
+              <a:lnSpc>
+                <a:spcPct val="150000"/>
+              </a:lnSpc>
+            </a:pPr>
+            <a:r>
+              <a:rPr lang="zh-TW" altLang="en-US" spc="300" dirty="0">
+                <a:latin typeface="微軟正黑體" panose="020B0604030504040204" pitchFamily="34" charset="-120"/>
+                <a:ea typeface="微軟正黑體" panose="020B0604030504040204" pitchFamily="34" charset="-120"/>
+              </a:rPr>
+              <a:t>　　</a:t>
+            </a:r>
+            <a:r>
+              <a:rPr lang="zh-TW" altLang="en-US" spc="300" dirty="0" smtClean="0">
+                <a:latin typeface="微軟正黑體" panose="020B0604030504040204" pitchFamily="34" charset="-120"/>
+                <a:ea typeface="微軟正黑體" panose="020B0604030504040204" pitchFamily="34" charset="-120"/>
+              </a:rPr>
+              <a:t>這次在團隊當中擔任</a:t>
+            </a:r>
+            <a:r>
+              <a:rPr lang="en-US" altLang="zh-TW" spc="300" dirty="0" smtClean="0">
+                <a:latin typeface="微軟正黑體" panose="020B0604030504040204" pitchFamily="34" charset="-120"/>
+                <a:ea typeface="微軟正黑體" panose="020B0604030504040204" pitchFamily="34" charset="-120"/>
+              </a:rPr>
+              <a:t>PM</a:t>
+            </a:r>
+            <a:r>
+              <a:rPr lang="zh-TW" altLang="en-US" spc="300" dirty="0" smtClean="0">
+                <a:latin typeface="微軟正黑體" panose="020B0604030504040204" pitchFamily="34" charset="-120"/>
+                <a:ea typeface="微軟正黑體" panose="020B0604030504040204" pitchFamily="34" charset="-120"/>
+              </a:rPr>
+              <a:t>的腳色，才發現</a:t>
+            </a:r>
+            <a:r>
+              <a:rPr lang="en-US" altLang="zh-TW" spc="300" dirty="0" smtClean="0">
+                <a:latin typeface="微軟正黑體" panose="020B0604030504040204" pitchFamily="34" charset="-120"/>
+                <a:ea typeface="微軟正黑體" panose="020B0604030504040204" pitchFamily="34" charset="-120"/>
+              </a:rPr>
+              <a:t>PM</a:t>
+            </a:r>
+            <a:r>
+              <a:rPr lang="zh-TW" altLang="en-US" spc="300" dirty="0" smtClean="0">
+                <a:latin typeface="微軟正黑體" panose="020B0604030504040204" pitchFamily="34" charset="-120"/>
+                <a:ea typeface="微軟正黑體" panose="020B0604030504040204" pitchFamily="34" charset="-120"/>
+              </a:rPr>
+              <a:t>真難當，不僅要</a:t>
+            </a:r>
+            <a:r>
+              <a:rPr lang="zh-TW" altLang="en-US" spc="300" dirty="0">
+                <a:latin typeface="微軟正黑體" panose="020B0604030504040204" pitchFamily="34" charset="-120"/>
+                <a:ea typeface="微軟正黑體" panose="020B0604030504040204" pitchFamily="34" charset="-120"/>
+              </a:rPr>
+              <a:t>控制專案開發的時間與排</a:t>
+            </a:r>
+            <a:r>
+              <a:rPr lang="zh-TW" altLang="en-US" spc="300" dirty="0" smtClean="0">
+                <a:latin typeface="微軟正黑體" panose="020B0604030504040204" pitchFamily="34" charset="-120"/>
+                <a:ea typeface="微軟正黑體" panose="020B0604030504040204" pitchFamily="34" charset="-120"/>
+              </a:rPr>
+              <a:t>程</a:t>
+            </a:r>
+            <a:r>
+              <a:rPr lang="zh-TW" altLang="en-US" strike="sngStrike" spc="300" dirty="0" smtClean="0">
+                <a:solidFill>
+                  <a:schemeClr val="bg2">
+                    <a:lumMod val="75000"/>
+                  </a:schemeClr>
+                </a:solidFill>
+                <a:latin typeface="微軟正黑體" panose="020B0604030504040204" pitchFamily="34" charset="-120"/>
+                <a:ea typeface="微軟正黑體" panose="020B0604030504040204" pitchFamily="34" charset="-120"/>
+              </a:rPr>
+              <a:t>還要</a:t>
+            </a:r>
+            <a:r>
+              <a:rPr lang="zh-TW" altLang="en-US" strike="sngStrike" spc="300" dirty="0">
+                <a:solidFill>
+                  <a:schemeClr val="bg2">
+                    <a:lumMod val="75000"/>
+                  </a:schemeClr>
+                </a:solidFill>
+                <a:latin typeface="微軟正黑體" panose="020B0604030504040204" pitchFamily="34" charset="-120"/>
+                <a:ea typeface="微軟正黑體" panose="020B0604030504040204" pitchFamily="34" charset="-120"/>
+              </a:rPr>
+              <a:t>跟工程師</a:t>
+            </a:r>
+            <a:r>
+              <a:rPr lang="zh-TW" altLang="en-US" strike="sngStrike" spc="300" dirty="0" smtClean="0">
+                <a:solidFill>
+                  <a:schemeClr val="bg2">
+                    <a:lumMod val="75000"/>
+                  </a:schemeClr>
+                </a:solidFill>
+                <a:latin typeface="微軟正黑體" panose="020B0604030504040204" pitchFamily="34" charset="-120"/>
+                <a:ea typeface="微軟正黑體" panose="020B0604030504040204" pitchFamily="34" charset="-120"/>
+              </a:rPr>
+              <a:t>吵架</a:t>
+            </a:r>
+            <a:r>
+              <a:rPr lang="zh-TW" altLang="en-US" spc="300" dirty="0" smtClean="0">
+                <a:latin typeface="微軟正黑體" panose="020B0604030504040204" pitchFamily="34" charset="-120"/>
+                <a:ea typeface="微軟正黑體" panose="020B0604030504040204" pitchFamily="34" charset="-120"/>
+              </a:rPr>
+              <a:t>。</a:t>
+            </a:r>
+            <a:endParaRPr lang="en-US" altLang="zh-TW" spc="300" dirty="0" smtClean="0">
+              <a:latin typeface="微軟正黑體" panose="020B0604030504040204" pitchFamily="34" charset="-120"/>
+              <a:ea typeface="微軟正黑體" panose="020B0604030504040204" pitchFamily="34" charset="-120"/>
+            </a:endParaRPr>
+          </a:p>
+          <a:p>
+            <a:pPr algn="just">
+              <a:lnSpc>
+                <a:spcPct val="150000"/>
+              </a:lnSpc>
+            </a:pPr>
+            <a:r>
+              <a:rPr lang="zh-TW" altLang="en-US" spc="300" dirty="0">
+                <a:latin typeface="微軟正黑體" panose="020B0604030504040204" pitchFamily="34" charset="-120"/>
+                <a:ea typeface="微軟正黑體" panose="020B0604030504040204" pitchFamily="34" charset="-120"/>
+              </a:rPr>
+              <a:t>　　</a:t>
+            </a:r>
+            <a:r>
+              <a:rPr lang="zh-TW" altLang="en-US" spc="300" dirty="0" smtClean="0">
+                <a:latin typeface="微軟正黑體" panose="020B0604030504040204" pitchFamily="34" charset="-120"/>
+                <a:ea typeface="微軟正黑體" panose="020B0604030504040204" pitchFamily="34" charset="-120"/>
+              </a:rPr>
+              <a:t>透過這次的機會也讓我學習到如何能用最快速的方式進行</a:t>
+            </a:r>
+            <a:r>
+              <a:rPr lang="en-US" altLang="zh-TW" spc="300" dirty="0" smtClean="0">
+                <a:latin typeface="微軟正黑體" panose="020B0604030504040204" pitchFamily="34" charset="-120"/>
+                <a:ea typeface="微軟正黑體" panose="020B0604030504040204" pitchFamily="34" charset="-120"/>
+              </a:rPr>
+              <a:t>web</a:t>
+            </a:r>
+            <a:r>
+              <a:rPr lang="zh-TW" altLang="en-US" spc="300" dirty="0" smtClean="0">
+                <a:latin typeface="微軟正黑體" panose="020B0604030504040204" pitchFamily="34" charset="-120"/>
+                <a:ea typeface="微軟正黑體" panose="020B0604030504040204" pitchFamily="34" charset="-120"/>
+              </a:rPr>
+              <a:t>前後端的開發。</a:t>
+            </a:r>
+            <a:endParaRPr lang="en-US" altLang="zh-TW" spc="300" dirty="0" smtClean="0">
+              <a:latin typeface="微軟正黑體" panose="020B0604030504040204" pitchFamily="34" charset="-120"/>
+              <a:ea typeface="微軟正黑體" panose="020B0604030504040204" pitchFamily="34" charset="-120"/>
+            </a:endParaRPr>
+          </a:p>
+          <a:p>
+            <a:pPr algn="just">
+              <a:lnSpc>
+                <a:spcPct val="150000"/>
+              </a:lnSpc>
+            </a:pPr>
+            <a:r>
+              <a:rPr lang="zh-TW" altLang="en-US" spc="300" dirty="0" smtClean="0">
+                <a:latin typeface="微軟正黑體" panose="020B0604030504040204" pitchFamily="34" charset="-120"/>
+                <a:ea typeface="微軟正黑體" panose="020B0604030504040204" pitchFamily="34" charset="-120"/>
+              </a:rPr>
+              <a:t>　　最後謝謝兩位組員的配合與包容才得以讓我們順利完成這個作品。</a:t>
+            </a:r>
+            <a:endParaRPr lang="zh-TW" altLang="en-US" spc="300" dirty="0">
+              <a:latin typeface="微軟正黑體" panose="020B0604030504040204" pitchFamily="34" charset="-120"/>
+              <a:ea typeface="微軟正黑體" panose="020B0604030504040204" pitchFamily="34" charset="-120"/>
+            </a:endParaRPr>
+          </a:p>
+        </p:txBody>
+      </p:sp>
+    </p:spTree>
+    <p:extLst>
+      <p:ext uri="{BB962C8B-B14F-4D97-AF65-F5344CB8AC3E}">
+        <p14:creationId xmlns:p14="http://schemas.microsoft.com/office/powerpoint/2010/main" val="2015382727"/>
+      </p:ext>
+    </p:extLst>
+  </p:cSld>
+  <p:clrMapOvr>
+    <a:masterClrMapping/>
+  </p:clrMapOvr>
+  <p:timing>
+    <p:tnLst>
+      <p:par>
+        <p:cTn id="1" dur="indefinite" restart="never" nodeType="tmRoot"/>
+      </p:par>
+    </p:tnLst>
+  </p:timing>
+</p:sld>
+</file>
+
+<file path=ppt/slides/slide21.xml><?xml version="1.0" encoding="utf-8"?>
+<p:sld xmlns:a="http://schemas.openxmlformats.org/drawingml/2006/main" xmlns:r="http://schemas.openxmlformats.org/officeDocument/2006/relationships" xmlns:p="http://schemas.openxmlformats.org/presentationml/2006/main">
+  <p:cSld>
+    <p:spTree>
+      <p:nvGrpSpPr>
+        <p:cNvPr id="1" name=""/>
+        <p:cNvGrpSpPr/>
+        <p:nvPr/>
+      </p:nvGrpSpPr>
+      <p:grpSpPr>
+        <a:xfrm>
+          <a:off x="0" y="0"/>
+          <a:ext cx="0" cy="0"/>
+          <a:chOff x="0" y="0"/>
+          <a:chExt cx="0" cy="0"/>
+        </a:xfrm>
+      </p:grpSpPr>
+      <p:sp>
+        <p:nvSpPr>
           <p:cNvPr id="2" name="標題 1"/>
           <p:cNvSpPr>
             <a:spLocks noGrp="1"/>
@@ -9475,7 +10269,7 @@
             <a:fld id="{BFCB5B21-9AD0-4DAA-B5D5-6148B5CCAA43}" type="slidenum">
               <a:rPr lang="zh-TW" altLang="en-US" smtClean="0"/>
               <a:pPr/>
-              <a:t>20</a:t>
+              <a:t>21</a:t>
             </a:fld>
             <a:endParaRPr lang="zh-TW" altLang="en-US"/>
           </a:p>
@@ -9565,7 +10359,7 @@
         </p:nvCxnSpPr>
         <p:spPr>
           <a:xfrm>
-            <a:off x="5245100" y="3860800"/>
+            <a:off x="5470185" y="3860800"/>
             <a:ext cx="2717800" cy="0"/>
           </a:xfrm>
           <a:prstGeom prst="line">
@@ -9603,8 +10397,8 @@
         </p:nvCxnSpPr>
         <p:spPr>
           <a:xfrm>
-            <a:off x="5486400" y="3987800"/>
-            <a:ext cx="2705100" cy="0"/>
+            <a:off x="5261315" y="3706446"/>
+            <a:ext cx="1533378" cy="0"/>
           </a:xfrm>
           <a:prstGeom prst="line">
             <a:avLst/>
@@ -9641,7 +10435,7 @@
         </p:nvCxnSpPr>
         <p:spPr>
           <a:xfrm>
-            <a:off x="2057400" y="2362200"/>
+            <a:off x="2113672" y="2362200"/>
             <a:ext cx="0" cy="1371600"/>
           </a:xfrm>
           <a:prstGeom prst="line">
@@ -10713,7 +11507,7 @@
         <p:spPr>
           <a:xfrm>
             <a:off x="6095637" y="533795"/>
-            <a:ext cx="2316843" cy="2506648"/>
+            <a:ext cx="2316843" cy="2554545"/>
           </a:xfrm>
           <a:prstGeom prst="rect">
             <a:avLst/>
@@ -10744,7 +11538,7 @@
                 <a:latin typeface="微軟正黑體" panose="020B0604030504040204" pitchFamily="34" charset="-120"/>
                 <a:ea typeface="微軟正黑體" panose="020B0604030504040204" pitchFamily="34" charset="-120"/>
               </a:rPr>
-              <a:t>台北</a:t>
+              <a:t>天龍</a:t>
             </a:r>
             <a:endParaRPr lang="en-US" altLang="zh-TW" sz="3600" b="1" spc="300" dirty="0" smtClean="0">
               <a:solidFill>
@@ -10830,7 +11624,7 @@
               <a:buChar char="•"/>
             </a:pPr>
             <a:r>
-              <a:rPr lang="zh-TW" altLang="en-US" sz="3600" b="1" spc="300" dirty="0">
+              <a:rPr lang="zh-TW" altLang="en-US" sz="3600" b="1" spc="300" dirty="0" smtClean="0">
                 <a:solidFill>
                   <a:schemeClr val="tx1">
                     <a:lumMod val="75000"/>
@@ -10842,7 +11636,7 @@
               </a:rPr>
               <a:t>美食</a:t>
             </a:r>
-            <a:endParaRPr lang="en-US" altLang="zh-TW" sz="3600" b="1" spc="300" dirty="0">
+            <a:endParaRPr lang="en-US" altLang="zh-TW" sz="3600" b="1" spc="300" dirty="0" smtClean="0">
               <a:solidFill>
                 <a:schemeClr val="tx1">
                   <a:lumMod val="75000"/>
